--- a/Input with eye tracking.pptx
+++ b/Input with eye tracking.pptx
@@ -20,16 +20,23 @@
     <p:sldId id="264" r:id="rId15"/>
     <p:sldId id="265" r:id="rId16"/>
     <p:sldId id="266" r:id="rId17"/>
+    <p:sldId id="267" r:id="rId18"/>
+    <p:sldId id="268" r:id="rId19"/>
   </p:sldIdLst>
   <p:sldSz cy="5143500" cx="9144000"/>
   <p:notesSz cx="6858000" cy="9144000"/>
   <p:embeddedFontLst>
     <p:embeddedFont>
       <p:font typeface="Proxima Nova"/>
-      <p:regular r:id="rId18"/>
-      <p:bold r:id="rId19"/>
-      <p:italic r:id="rId20"/>
-      <p:boldItalic r:id="rId21"/>
+      <p:regular r:id="rId20"/>
+      <p:bold r:id="rId21"/>
+      <p:italic r:id="rId22"/>
+      <p:boldItalic r:id="rId23"/>
+    </p:embeddedFont>
+    <p:embeddedFont>
+      <p:font typeface="Comfortaa"/>
+      <p:regular r:id="rId24"/>
+      <p:bold r:id="rId25"/>
     </p:embeddedFont>
   </p:embeddedFontLst>
   <p:defaultTextStyle>
@@ -808,7 +815,7 @@
   <p:cSld>
     <p:spTree>
       <p:nvGrpSpPr>
-        <p:cNvPr id="156" name="Shape 156"/>
+        <p:cNvPr id="157" name="Shape 157"/>
         <p:cNvGrpSpPr/>
         <p:nvPr/>
       </p:nvGrpSpPr>
@@ -822,7 +829,7 @@
       </p:grpSpPr>
       <p:sp>
         <p:nvSpPr>
-          <p:cNvPr id="157" name="Google Shape;157;g3f2d9d2ff3_0_28:notes"/>
+          <p:cNvPr id="158" name="Google Shape;158;g46a4bbb5fa_3_0:notes"/>
           <p:cNvSpPr/>
           <p:nvPr>
             <p:ph idx="2" type="sldImg"/>
@@ -857,7 +864,7 @@
       </p:sp>
       <p:sp>
         <p:nvSpPr>
-          <p:cNvPr id="158" name="Google Shape;158;g3f2d9d2ff3_0_28:notes"/>
+          <p:cNvPr id="159" name="Google Shape;159;g46a4bbb5fa_3_0:notes"/>
           <p:cNvSpPr txBox="1"/>
           <p:nvPr>
             <p:ph idx="1" type="body"/>
@@ -907,7 +914,7 @@
   <p:cSld>
     <p:spTree>
       <p:nvGrpSpPr>
-        <p:cNvPr id="162" name="Shape 162"/>
+        <p:cNvPr id="163" name="Shape 163"/>
         <p:cNvGrpSpPr/>
         <p:nvPr/>
       </p:nvGrpSpPr>
@@ -921,7 +928,205 @@
       </p:grpSpPr>
       <p:sp>
         <p:nvSpPr>
-          <p:cNvPr id="163" name="Google Shape;163;gd5f4b554c_0_15:notes"/>
+          <p:cNvPr id="164" name="Google Shape;164;g3f2d9d2ff3_0_33:notes"/>
+          <p:cNvSpPr/>
+          <p:nvPr>
+            <p:ph idx="2" type="sldImg"/>
+          </p:nvPr>
+        </p:nvSpPr>
+        <p:spPr>
+          <a:xfrm>
+            <a:off x="381300" y="685800"/>
+            <a:ext cx="6096000" cy="3429000"/>
+          </a:xfrm>
+          <a:custGeom>
+            <a:rect b="b" l="l" r="r" t="t"/>
+            <a:pathLst>
+              <a:path extrusionOk="0" h="120000" w="120000">
+                <a:moveTo>
+                  <a:pt x="0" y="0"/>
+                </a:moveTo>
+                <a:lnTo>
+                  <a:pt x="120000" y="0"/>
+                </a:lnTo>
+                <a:lnTo>
+                  <a:pt x="120000" y="120000"/>
+                </a:lnTo>
+                <a:lnTo>
+                  <a:pt x="0" y="120000"/>
+                </a:lnTo>
+                <a:close/>
+              </a:path>
+            </a:pathLst>
+          </a:custGeom>
+        </p:spPr>
+      </p:sp>
+      <p:sp>
+        <p:nvSpPr>
+          <p:cNvPr id="165" name="Google Shape;165;g3f2d9d2ff3_0_33:notes"/>
+          <p:cNvSpPr txBox="1"/>
+          <p:nvPr>
+            <p:ph idx="1" type="body"/>
+          </p:nvPr>
+        </p:nvSpPr>
+        <p:spPr>
+          <a:xfrm>
+            <a:off x="685800" y="4343400"/>
+            <a:ext cx="5486400" cy="4114800"/>
+          </a:xfrm>
+          <a:prstGeom prst="rect">
+            <a:avLst/>
+          </a:prstGeom>
+        </p:spPr>
+        <p:txBody>
+          <a:bodyPr anchorCtr="0" anchor="t" bIns="91425" lIns="91425" spcFirstLastPara="1" rIns="91425" wrap="square" tIns="91425">
+            <a:noAutofit/>
+          </a:bodyPr>
+          <a:lstStyle/>
+          <a:p>
+            <a:pPr indent="0" lvl="0" marL="0" rtl="0" algn="l">
+              <a:spcBef>
+                <a:spcPts val="0"/>
+              </a:spcBef>
+              <a:spcAft>
+                <a:spcPts val="0"/>
+              </a:spcAft>
+              <a:buNone/>
+            </a:pPr>
+            <a:r>
+              <a:t/>
+            </a:r>
+            <a:endParaRPr/>
+          </a:p>
+        </p:txBody>
+      </p:sp>
+    </p:spTree>
+  </p:cSld>
+  <p:clrMapOvr>
+    <a:masterClrMapping/>
+  </p:clrMapOvr>
+</p:notes>
+</file>
+
+<file path=ppt/notesSlides/notesSlide12.xml><?xml version="1.0" encoding="utf-8"?>
+<p:notes xmlns:a="http://schemas.openxmlformats.org/drawingml/2006/main" xmlns:r="http://schemas.openxmlformats.org/officeDocument/2006/relationships" xmlns:mc="http://schemas.openxmlformats.org/markup-compatibility/2006" xmlns:mv="urn:schemas-microsoft-com:mac:vml" xmlns:p="http://schemas.openxmlformats.org/presentationml/2006/main" xmlns:c="http://schemas.openxmlformats.org/drawingml/2006/chart" xmlns:dgm="http://schemas.openxmlformats.org/drawingml/2006/diagram" xmlns:o="urn:schemas-microsoft-com:office:office" xmlns:v="urn:schemas-microsoft-com:vml" xmlns:pvml="urn:schemas-microsoft-com:office:powerpoint" xmlns:com="http://schemas.openxmlformats.org/drawingml/2006/compatibility" xmlns:p14="http://schemas.microsoft.com/office/powerpoint/2010/main" xmlns:p15="http://schemas.microsoft.com/office/powerpoint/2012/main" showMasterPhAnim="0" showMasterSp="0">
+  <p:cSld>
+    <p:spTree>
+      <p:nvGrpSpPr>
+        <p:cNvPr id="169" name="Shape 169"/>
+        <p:cNvGrpSpPr/>
+        <p:nvPr/>
+      </p:nvGrpSpPr>
+      <p:grpSpPr>
+        <a:xfrm>
+          <a:off x="0" y="0"/>
+          <a:ext cx="0" cy="0"/>
+          <a:chOff x="0" y="0"/>
+          <a:chExt cx="0" cy="0"/>
+        </a:xfrm>
+      </p:grpSpPr>
+      <p:sp>
+        <p:nvSpPr>
+          <p:cNvPr id="170" name="Google Shape;170;g3f2d9d2ff3_0_28:notes"/>
+          <p:cNvSpPr/>
+          <p:nvPr>
+            <p:ph idx="2" type="sldImg"/>
+          </p:nvPr>
+        </p:nvSpPr>
+        <p:spPr>
+          <a:xfrm>
+            <a:off x="381300" y="685800"/>
+            <a:ext cx="6096000" cy="3429000"/>
+          </a:xfrm>
+          <a:custGeom>
+            <a:rect b="b" l="l" r="r" t="t"/>
+            <a:pathLst>
+              <a:path extrusionOk="0" h="120000" w="120000">
+                <a:moveTo>
+                  <a:pt x="0" y="0"/>
+                </a:moveTo>
+                <a:lnTo>
+                  <a:pt x="120000" y="0"/>
+                </a:lnTo>
+                <a:lnTo>
+                  <a:pt x="120000" y="120000"/>
+                </a:lnTo>
+                <a:lnTo>
+                  <a:pt x="0" y="120000"/>
+                </a:lnTo>
+                <a:close/>
+              </a:path>
+            </a:pathLst>
+          </a:custGeom>
+        </p:spPr>
+      </p:sp>
+      <p:sp>
+        <p:nvSpPr>
+          <p:cNvPr id="171" name="Google Shape;171;g3f2d9d2ff3_0_28:notes"/>
+          <p:cNvSpPr txBox="1"/>
+          <p:nvPr>
+            <p:ph idx="1" type="body"/>
+          </p:nvPr>
+        </p:nvSpPr>
+        <p:spPr>
+          <a:xfrm>
+            <a:off x="685800" y="4343400"/>
+            <a:ext cx="5486400" cy="4114800"/>
+          </a:xfrm>
+          <a:prstGeom prst="rect">
+            <a:avLst/>
+          </a:prstGeom>
+        </p:spPr>
+        <p:txBody>
+          <a:bodyPr anchorCtr="0" anchor="t" bIns="91425" lIns="91425" spcFirstLastPara="1" rIns="91425" wrap="square" tIns="91425">
+            <a:noAutofit/>
+          </a:bodyPr>
+          <a:lstStyle/>
+          <a:p>
+            <a:pPr indent="0" lvl="0" marL="0" rtl="0" algn="l">
+              <a:spcBef>
+                <a:spcPts val="0"/>
+              </a:spcBef>
+              <a:spcAft>
+                <a:spcPts val="0"/>
+              </a:spcAft>
+              <a:buNone/>
+            </a:pPr>
+            <a:r>
+              <a:t/>
+            </a:r>
+            <a:endParaRPr/>
+          </a:p>
+        </p:txBody>
+      </p:sp>
+    </p:spTree>
+  </p:cSld>
+  <p:clrMapOvr>
+    <a:masterClrMapping/>
+  </p:clrMapOvr>
+</p:notes>
+</file>
+
+<file path=ppt/notesSlides/notesSlide13.xml><?xml version="1.0" encoding="utf-8"?>
+<p:notes xmlns:a="http://schemas.openxmlformats.org/drawingml/2006/main" xmlns:r="http://schemas.openxmlformats.org/officeDocument/2006/relationships" xmlns:mc="http://schemas.openxmlformats.org/markup-compatibility/2006" xmlns:mv="urn:schemas-microsoft-com:mac:vml" xmlns:p="http://schemas.openxmlformats.org/presentationml/2006/main" xmlns:c="http://schemas.openxmlformats.org/drawingml/2006/chart" xmlns:dgm="http://schemas.openxmlformats.org/drawingml/2006/diagram" xmlns:o="urn:schemas-microsoft-com:office:office" xmlns:v="urn:schemas-microsoft-com:vml" xmlns:pvml="urn:schemas-microsoft-com:office:powerpoint" xmlns:com="http://schemas.openxmlformats.org/drawingml/2006/compatibility" xmlns:p14="http://schemas.microsoft.com/office/powerpoint/2010/main" xmlns:p15="http://schemas.microsoft.com/office/powerpoint/2012/main" showMasterPhAnim="0" showMasterSp="0">
+  <p:cSld>
+    <p:spTree>
+      <p:nvGrpSpPr>
+        <p:cNvPr id="175" name="Shape 175"/>
+        <p:cNvGrpSpPr/>
+        <p:nvPr/>
+      </p:nvGrpSpPr>
+      <p:grpSpPr>
+        <a:xfrm>
+          <a:off x="0" y="0"/>
+          <a:ext cx="0" cy="0"/>
+          <a:chOff x="0" y="0"/>
+          <a:chExt cx="0" cy="0"/>
+        </a:xfrm>
+      </p:grpSpPr>
+      <p:sp>
+        <p:nvSpPr>
+          <p:cNvPr id="176" name="Google Shape;176;gd5f4b554c_0_15:notes"/>
           <p:cNvSpPr/>
           <p:nvPr>
             <p:ph idx="2" type="sldImg"/>
@@ -956,7 +1161,7 @@
       </p:sp>
       <p:sp>
         <p:nvSpPr>
-          <p:cNvPr id="164" name="Google Shape;164;gd5f4b554c_0_15:notes"/>
+          <p:cNvPr id="177" name="Google Shape;177;gd5f4b554c_0_15:notes"/>
           <p:cNvSpPr txBox="1"/>
           <p:nvPr>
             <p:ph idx="1" type="body"/>
@@ -1714,7 +1919,7 @@
       </p:grpSpPr>
       <p:sp>
         <p:nvSpPr>
-          <p:cNvPr id="151" name="Google Shape;151;g3f2d9d2ff3_0_33:notes"/>
+          <p:cNvPr id="151" name="Google Shape;151;g46a4bbb5fa_1_0:notes"/>
           <p:cNvSpPr/>
           <p:nvPr>
             <p:ph idx="2" type="sldImg"/>
@@ -1749,7 +1954,7 @@
       </p:sp>
       <p:sp>
         <p:nvSpPr>
-          <p:cNvPr id="152" name="Google Shape;152;g3f2d9d2ff3_0_33:notes"/>
+          <p:cNvPr id="152" name="Google Shape;152;g46a4bbb5fa_1_0:notes"/>
           <p:cNvSpPr txBox="1"/>
           <p:nvPr>
             <p:ph idx="1" type="body"/>
@@ -11999,7 +12204,88 @@
   <p:cSld>
     <p:spTree>
       <p:nvGrpSpPr>
-        <p:cNvPr id="159" name="Shape 159"/>
+        <p:cNvPr id="160" name="Shape 160"/>
+        <p:cNvGrpSpPr/>
+        <p:nvPr/>
+      </p:nvGrpSpPr>
+      <p:grpSpPr>
+        <a:xfrm>
+          <a:off x="0" y="0"/>
+          <a:ext cx="0" cy="0"/>
+          <a:chOff x="0" y="0"/>
+          <a:chExt cx="0" cy="0"/>
+        </a:xfrm>
+      </p:grpSpPr>
+      <p:pic>
+        <p:nvPicPr>
+          <p:cNvPr id="161" name="Google Shape;161;p34"/>
+          <p:cNvPicPr preferRelativeResize="0"/>
+          <p:nvPr/>
+        </p:nvPicPr>
+        <p:blipFill>
+          <a:blip r:embed="rId3">
+            <a:alphaModFix/>
+          </a:blip>
+          <a:stretch>
+            <a:fillRect/>
+          </a:stretch>
+        </p:blipFill>
+        <p:spPr>
+          <a:xfrm>
+            <a:off x="152400" y="1517401"/>
+            <a:ext cx="4419600" cy="2108698"/>
+          </a:xfrm>
+          <a:prstGeom prst="rect">
+            <a:avLst/>
+          </a:prstGeom>
+          <a:noFill/>
+          <a:ln>
+            <a:noFill/>
+          </a:ln>
+        </p:spPr>
+      </p:pic>
+      <p:pic>
+        <p:nvPicPr>
+          <p:cNvPr id="162" name="Google Shape;162;p34"/>
+          <p:cNvPicPr preferRelativeResize="0"/>
+          <p:nvPr/>
+        </p:nvPicPr>
+        <p:blipFill>
+          <a:blip r:embed="rId4">
+            <a:alphaModFix/>
+          </a:blip>
+          <a:stretch>
+            <a:fillRect/>
+          </a:stretch>
+        </p:blipFill>
+        <p:spPr>
+          <a:xfrm>
+            <a:off x="4712325" y="768825"/>
+            <a:ext cx="4260300" cy="3605850"/>
+          </a:xfrm>
+          <a:prstGeom prst="rect">
+            <a:avLst/>
+          </a:prstGeom>
+          <a:noFill/>
+          <a:ln>
+            <a:noFill/>
+          </a:ln>
+        </p:spPr>
+      </p:pic>
+    </p:spTree>
+  </p:cSld>
+  <p:clrMapOvr>
+    <a:masterClrMapping/>
+  </p:clrMapOvr>
+</p:sld>
+</file>
+
+<file path=ppt/slides/slide11.xml><?xml version="1.0" encoding="utf-8"?>
+<p:sld xmlns:a="http://schemas.openxmlformats.org/drawingml/2006/main" xmlns:r="http://schemas.openxmlformats.org/officeDocument/2006/relationships" xmlns:mc="http://schemas.openxmlformats.org/markup-compatibility/2006" xmlns:mv="urn:schemas-microsoft-com:mac:vml" xmlns:p="http://schemas.openxmlformats.org/presentationml/2006/main" xmlns:c="http://schemas.openxmlformats.org/drawingml/2006/chart" xmlns:dgm="http://schemas.openxmlformats.org/drawingml/2006/diagram" xmlns:o="urn:schemas-microsoft-com:office:office" xmlns:v="urn:schemas-microsoft-com:vml" xmlns:pvml="urn:schemas-microsoft-com:office:powerpoint" xmlns:com="http://schemas.openxmlformats.org/drawingml/2006/compatibility" xmlns:p14="http://schemas.microsoft.com/office/powerpoint/2010/main" xmlns:p15="http://schemas.microsoft.com/office/powerpoint/2012/main">
+  <p:cSld>
+    <p:spTree>
+      <p:nvGrpSpPr>
+        <p:cNvPr id="166" name="Shape 166"/>
         <p:cNvGrpSpPr/>
         <p:nvPr/>
       </p:nvGrpSpPr>
@@ -12013,7 +12299,100 @@
       </p:grpSpPr>
       <p:sp>
         <p:nvSpPr>
-          <p:cNvPr id="160" name="Google Shape;160;p34"/>
+          <p:cNvPr id="167" name="Google Shape;167;p35"/>
+          <p:cNvSpPr txBox="1"/>
+          <p:nvPr>
+            <p:ph type="title"/>
+          </p:nvPr>
+        </p:nvSpPr>
+        <p:spPr>
+          <a:xfrm>
+            <a:off x="351975" y="42400"/>
+            <a:ext cx="8520600" cy="572700"/>
+          </a:xfrm>
+          <a:prstGeom prst="rect">
+            <a:avLst/>
+          </a:prstGeom>
+        </p:spPr>
+        <p:txBody>
+          <a:bodyPr anchorCtr="0" anchor="t" bIns="91425" lIns="91425" spcFirstLastPara="1" rIns="91425" wrap="square" tIns="91425">
+            <a:noAutofit/>
+          </a:bodyPr>
+          <a:lstStyle/>
+          <a:p>
+            <a:pPr indent="0" lvl="0" marL="0" rtl="0" algn="l">
+              <a:spcBef>
+                <a:spcPts val="0"/>
+              </a:spcBef>
+              <a:spcAft>
+                <a:spcPts val="0"/>
+              </a:spcAft>
+              <a:buNone/>
+            </a:pPr>
+            <a:r>
+              <a:rPr lang="en"/>
+              <a:t>Use- case Diagram</a:t>
+            </a:r>
+            <a:endParaRPr/>
+          </a:p>
+        </p:txBody>
+      </p:sp>
+      <p:pic>
+        <p:nvPicPr>
+          <p:cNvPr id="168" name="Google Shape;168;p35"/>
+          <p:cNvPicPr preferRelativeResize="0"/>
+          <p:nvPr/>
+        </p:nvPicPr>
+        <p:blipFill>
+          <a:blip r:embed="rId3">
+            <a:alphaModFix/>
+          </a:blip>
+          <a:stretch>
+            <a:fillRect/>
+          </a:stretch>
+        </p:blipFill>
+        <p:spPr>
+          <a:xfrm>
+            <a:off x="478838" y="753905"/>
+            <a:ext cx="8266875" cy="4145195"/>
+          </a:xfrm>
+          <a:prstGeom prst="rect">
+            <a:avLst/>
+          </a:prstGeom>
+          <a:noFill/>
+          <a:ln>
+            <a:noFill/>
+          </a:ln>
+        </p:spPr>
+      </p:pic>
+    </p:spTree>
+  </p:cSld>
+  <p:clrMapOvr>
+    <a:masterClrMapping/>
+  </p:clrMapOvr>
+</p:sld>
+</file>
+
+<file path=ppt/slides/slide12.xml><?xml version="1.0" encoding="utf-8"?>
+<p:sld xmlns:a="http://schemas.openxmlformats.org/drawingml/2006/main" xmlns:r="http://schemas.openxmlformats.org/officeDocument/2006/relationships" xmlns:mc="http://schemas.openxmlformats.org/markup-compatibility/2006" xmlns:mv="urn:schemas-microsoft-com:mac:vml" xmlns:p="http://schemas.openxmlformats.org/presentationml/2006/main" xmlns:c="http://schemas.openxmlformats.org/drawingml/2006/chart" xmlns:dgm="http://schemas.openxmlformats.org/drawingml/2006/diagram" xmlns:o="urn:schemas-microsoft-com:office:office" xmlns:v="urn:schemas-microsoft-com:vml" xmlns:pvml="urn:schemas-microsoft-com:office:powerpoint" xmlns:com="http://schemas.openxmlformats.org/drawingml/2006/compatibility" xmlns:p14="http://schemas.microsoft.com/office/powerpoint/2010/main" xmlns:p15="http://schemas.microsoft.com/office/powerpoint/2012/main">
+  <p:cSld>
+    <p:spTree>
+      <p:nvGrpSpPr>
+        <p:cNvPr id="172" name="Shape 172"/>
+        <p:cNvGrpSpPr/>
+        <p:nvPr/>
+      </p:nvGrpSpPr>
+      <p:grpSpPr>
+        <a:xfrm>
+          <a:off x="0" y="0"/>
+          <a:ext cx="0" cy="0"/>
+          <a:chOff x="0" y="0"/>
+          <a:chExt cx="0" cy="0"/>
+        </a:xfrm>
+      </p:grpSpPr>
+      <p:sp>
+        <p:nvSpPr>
+          <p:cNvPr id="173" name="Google Shape;173;p36"/>
           <p:cNvSpPr txBox="1"/>
           <p:nvPr>
             <p:ph type="title"/>
@@ -12053,7 +12432,7 @@
       </p:sp>
       <p:pic>
         <p:nvPicPr>
-          <p:cNvPr id="161" name="Google Shape;161;p34"/>
+          <p:cNvPr id="174" name="Google Shape;174;p36"/>
           <p:cNvPicPr preferRelativeResize="0"/>
           <p:nvPr/>
         </p:nvPicPr>
@@ -12087,12 +12466,12 @@
 </p:sld>
 </file>
 
-<file path=ppt/slides/slide11.xml><?xml version="1.0" encoding="utf-8"?>
+<file path=ppt/slides/slide13.xml><?xml version="1.0" encoding="utf-8"?>
 <p:sld xmlns:a="http://schemas.openxmlformats.org/drawingml/2006/main" xmlns:r="http://schemas.openxmlformats.org/officeDocument/2006/relationships" xmlns:mc="http://schemas.openxmlformats.org/markup-compatibility/2006" xmlns:mv="urn:schemas-microsoft-com:mac:vml" xmlns:p="http://schemas.openxmlformats.org/presentationml/2006/main" xmlns:c="http://schemas.openxmlformats.org/drawingml/2006/chart" xmlns:dgm="http://schemas.openxmlformats.org/drawingml/2006/diagram" xmlns:o="urn:schemas-microsoft-com:office:office" xmlns:v="urn:schemas-microsoft-com:vml" xmlns:pvml="urn:schemas-microsoft-com:office:powerpoint" xmlns:com="http://schemas.openxmlformats.org/drawingml/2006/compatibility" xmlns:p14="http://schemas.microsoft.com/office/powerpoint/2010/main" xmlns:p15="http://schemas.microsoft.com/office/powerpoint/2012/main">
   <p:cSld>
     <p:spTree>
       <p:nvGrpSpPr>
-        <p:cNvPr id="165" name="Shape 165"/>
+        <p:cNvPr id="178" name="Shape 178"/>
         <p:cNvGrpSpPr/>
         <p:nvPr/>
       </p:nvGrpSpPr>
@@ -12106,7 +12485,7 @@
       </p:grpSpPr>
       <p:sp>
         <p:nvSpPr>
-          <p:cNvPr id="166" name="Google Shape;166;p35"/>
+          <p:cNvPr id="179" name="Google Shape;179;p37"/>
           <p:cNvSpPr txBox="1"/>
           <p:nvPr>
             <p:ph idx="4294967295" type="title"/>
@@ -12146,7 +12525,7 @@
       </p:sp>
       <p:pic>
         <p:nvPicPr>
-          <p:cNvPr id="167" name="Google Shape;167;p35"/>
+          <p:cNvPr id="180" name="Google Shape;180;p37"/>
           <p:cNvPicPr preferRelativeResize="0"/>
           <p:nvPr/>
         </p:nvPicPr>
@@ -13472,8 +13851,83 @@
         </p:nvSpPr>
         <p:spPr>
           <a:xfrm>
-            <a:off x="351975" y="42400"/>
-            <a:ext cx="8520600" cy="572700"/>
+            <a:off x="0" y="0"/>
+            <a:ext cx="9144000" cy="1017600"/>
+          </a:xfrm>
+          <a:prstGeom prst="rect">
+            <a:avLst/>
+          </a:prstGeom>
+          <a:solidFill>
+            <a:schemeClr val="dk1"/>
+          </a:solidFill>
+        </p:spPr>
+        <p:txBody>
+          <a:bodyPr anchorCtr="0" anchor="ctr" bIns="91425" lIns="91425" spcFirstLastPara="1" rIns="91425" wrap="square" tIns="91425">
+            <a:noAutofit/>
+          </a:bodyPr>
+          <a:lstStyle/>
+          <a:p>
+            <a:pPr indent="0" lvl="0" marL="0" rtl="0" algn="l">
+              <a:spcBef>
+                <a:spcPts val="0"/>
+              </a:spcBef>
+              <a:spcAft>
+                <a:spcPts val="0"/>
+              </a:spcAft>
+              <a:buNone/>
+            </a:pPr>
+            <a:r>
+              <a:rPr lang="en" sz="3600">
+                <a:solidFill>
+                  <a:srgbClr val="FFFFFF"/>
+                </a:solidFill>
+                <a:latin typeface="Comfortaa"/>
+                <a:ea typeface="Comfortaa"/>
+                <a:cs typeface="Comfortaa"/>
+                <a:sym typeface="Comfortaa"/>
+              </a:rPr>
+              <a:t>Proposed System</a:t>
+            </a:r>
+            <a:r>
+              <a:rPr i="1" lang="en" sz="1600">
+                <a:solidFill>
+                  <a:schemeClr val="lt1"/>
+                </a:solidFill>
+              </a:rPr>
+              <a:t> (Base on Ameliorated </a:t>
+            </a:r>
+            <a:r>
+              <a:rPr b="1" i="1" lang="en" sz="1600">
+                <a:solidFill>
+                  <a:schemeClr val="lt1"/>
+                </a:solidFill>
+              </a:rPr>
+              <a:t>Hough Transform Algorithm)</a:t>
+            </a:r>
+            <a:endParaRPr i="1" sz="1600">
+              <a:solidFill>
+                <a:srgbClr val="FFFFFF"/>
+              </a:solidFill>
+              <a:latin typeface="Comfortaa"/>
+              <a:ea typeface="Comfortaa"/>
+              <a:cs typeface="Comfortaa"/>
+              <a:sym typeface="Comfortaa"/>
+            </a:endParaRPr>
+          </a:p>
+        </p:txBody>
+      </p:sp>
+      <p:sp>
+        <p:nvSpPr>
+          <p:cNvPr id="155" name="Google Shape;155;p33"/>
+          <p:cNvSpPr txBox="1"/>
+          <p:nvPr>
+            <p:ph idx="1" type="body"/>
+          </p:nvPr>
+        </p:nvSpPr>
+        <p:spPr>
+          <a:xfrm>
+            <a:off x="311700" y="1152475"/>
+            <a:ext cx="8520600" cy="3416400"/>
           </a:xfrm>
           <a:prstGeom prst="rect">
             <a:avLst/>
@@ -13496,7 +13950,39 @@
             </a:pPr>
             <a:r>
               <a:rPr lang="en"/>
-              <a:t>Use- case Diagram</a:t>
+              <a:t>The Hough transform is a </a:t>
+            </a:r>
+            <a:r>
+              <a:rPr b="1" lang="en"/>
+              <a:t>feature extraction </a:t>
+            </a:r>
+            <a:r>
+              <a:rPr lang="en"/>
+              <a:t>technique used in image analysis, computer vision, and </a:t>
+            </a:r>
+            <a:r>
+              <a:rPr b="1" lang="en"/>
+              <a:t>digital image processing</a:t>
+            </a:r>
+            <a:r>
+              <a:rPr lang="en"/>
+              <a:t>.</a:t>
+            </a:r>
+            <a:endParaRPr/>
+          </a:p>
+          <a:p>
+            <a:pPr indent="0" lvl="0" marL="0" rtl="0" algn="l">
+              <a:spcBef>
+                <a:spcPts val="1600"/>
+              </a:spcBef>
+              <a:spcAft>
+                <a:spcPts val="1600"/>
+              </a:spcAft>
+              <a:buNone/>
+            </a:pPr>
+            <a:r>
+              <a:rPr lang="en"/>
+              <a:t>Circle Hough Transform</a:t>
             </a:r>
             <a:endParaRPr/>
           </a:p>
@@ -13504,7 +13990,7 @@
       </p:sp>
       <p:pic>
         <p:nvPicPr>
-          <p:cNvPr id="155" name="Google Shape;155;p33"/>
+          <p:cNvPr id="156" name="Google Shape;156;p33"/>
           <p:cNvPicPr preferRelativeResize="0"/>
           <p:nvPr/>
         </p:nvPicPr>
@@ -13518,8 +14004,8 @@
         </p:blipFill>
         <p:spPr>
           <a:xfrm>
-            <a:off x="478838" y="753905"/>
-            <a:ext cx="8266875" cy="4145195"/>
+            <a:off x="2075875" y="2401080"/>
+            <a:ext cx="5675001" cy="2541949"/>
           </a:xfrm>
           <a:prstGeom prst="rect">
             <a:avLst/>
@@ -13539,44 +14025,44 @@
 </file>
 
 <file path=ppt/theme/theme1.xml><?xml version="1.0" encoding="utf-8"?>
-<a:theme xmlns:a="http://schemas.openxmlformats.org/drawingml/2006/main" xmlns:r="http://schemas.openxmlformats.org/officeDocument/2006/relationships" name="Simple Light">
+<a:theme xmlns:a="http://schemas.openxmlformats.org/drawingml/2006/main" xmlns:r="http://schemas.openxmlformats.org/officeDocument/2006/relationships" name="Spearmint">
   <a:themeElements>
-    <a:clrScheme name="Simple Light">
+    <a:clrScheme name="Spearmint">
       <a:dk1>
-        <a:srgbClr val="000000"/>
+        <a:srgbClr val="202729"/>
       </a:dk1>
       <a:lt1>
         <a:srgbClr val="FFFFFF"/>
       </a:lt1>
       <a:dk2>
-        <a:srgbClr val="595959"/>
+        <a:srgbClr val="4BA173"/>
       </a:dk2>
       <a:lt2>
-        <a:srgbClr val="EEEEEE"/>
+        <a:srgbClr val="63D297"/>
       </a:lt2>
       <a:accent1>
-        <a:srgbClr val="FFAB40"/>
+        <a:srgbClr val="353744"/>
       </a:accent1>
       <a:accent2>
-        <a:srgbClr val="212121"/>
+        <a:srgbClr val="424242"/>
       </a:accent2>
       <a:accent3>
-        <a:srgbClr val="78909C"/>
+        <a:srgbClr val="616161"/>
       </a:accent3>
       <a:accent4>
-        <a:srgbClr val="FFAB40"/>
+        <a:srgbClr val="999999"/>
       </a:accent4>
       <a:accent5>
-        <a:srgbClr val="0097A7"/>
+        <a:srgbClr val="FF5252"/>
       </a:accent5>
       <a:accent6>
-        <a:srgbClr val="EEFF41"/>
+        <a:srgbClr val="FFF176"/>
       </a:accent6>
       <a:hlink>
-        <a:srgbClr val="0097A7"/>
+        <a:srgbClr val="FF5252"/>
       </a:hlink>
       <a:folHlink>
-        <a:srgbClr val="0097A7"/>
+        <a:srgbClr val="FF5252"/>
       </a:folHlink>
     </a:clrScheme>
     <a:fontScheme name="Office">
@@ -13818,44 +14304,44 @@
 </file>
 
 <file path=ppt/theme/theme2.xml><?xml version="1.0" encoding="utf-8"?>
-<a:theme xmlns:a="http://schemas.openxmlformats.org/drawingml/2006/main" xmlns:r="http://schemas.openxmlformats.org/officeDocument/2006/relationships" name="Spearmint">
+<a:theme xmlns:a="http://schemas.openxmlformats.org/drawingml/2006/main" xmlns:r="http://schemas.openxmlformats.org/officeDocument/2006/relationships" name="Simple Light">
   <a:themeElements>
-    <a:clrScheme name="Spearmint">
+    <a:clrScheme name="Simple Light">
       <a:dk1>
-        <a:srgbClr val="202729"/>
+        <a:srgbClr val="000000"/>
       </a:dk1>
       <a:lt1>
         <a:srgbClr val="FFFFFF"/>
       </a:lt1>
       <a:dk2>
-        <a:srgbClr val="4BA173"/>
+        <a:srgbClr val="595959"/>
       </a:dk2>
       <a:lt2>
-        <a:srgbClr val="63D297"/>
+        <a:srgbClr val="EEEEEE"/>
       </a:lt2>
       <a:accent1>
-        <a:srgbClr val="353744"/>
+        <a:srgbClr val="FFAB40"/>
       </a:accent1>
       <a:accent2>
-        <a:srgbClr val="424242"/>
+        <a:srgbClr val="212121"/>
       </a:accent2>
       <a:accent3>
-        <a:srgbClr val="616161"/>
+        <a:srgbClr val="78909C"/>
       </a:accent3>
       <a:accent4>
-        <a:srgbClr val="999999"/>
+        <a:srgbClr val="FFAB40"/>
       </a:accent4>
       <a:accent5>
-        <a:srgbClr val="FF5252"/>
+        <a:srgbClr val="0097A7"/>
       </a:accent5>
       <a:accent6>
-        <a:srgbClr val="FFF176"/>
+        <a:srgbClr val="EEFF41"/>
       </a:accent6>
       <a:hlink>
-        <a:srgbClr val="FF5252"/>
+        <a:srgbClr val="0097A7"/>
       </a:hlink>
       <a:folHlink>
-        <a:srgbClr val="FF5252"/>
+        <a:srgbClr val="0097A7"/>
       </a:folHlink>
     </a:clrScheme>
     <a:fontScheme name="Office">
